--- a/e2e-tests/workshop instructions.pptx
+++ b/e2e-tests/workshop instructions.pptx
@@ -1,14 +1,34 @@
 
 <file path=ppt/presentation.xml><?xml version="1.0" encoding="utf-8"?>
-<p:presentation xmlns:a="http://schemas.openxmlformats.org/drawingml/2006/main" xmlns:r="http://schemas.openxmlformats.org/officeDocument/2006/relationships" xmlns:p="http://schemas.openxmlformats.org/presentationml/2006/main" saveSubsetFonts="1" autoCompressPictures="0">
+<p:presentation xmlns:a="http://schemas.openxmlformats.org/drawingml/2006/main" xmlns:r="http://schemas.openxmlformats.org/officeDocument/2006/relationships" xmlns:p="http://schemas.openxmlformats.org/presentationml/2006/main" embedTrueTypeFonts="1" autoCompressPictures="0">
   <p:sldMasterIdLst>
     <p:sldMasterId id="2147483648" r:id="rId1"/>
   </p:sldMasterIdLst>
   <p:sldIdLst>
-    <p:sldId id="257" r:id="rId2"/>
+    <p:sldId id="258" r:id="rId2"/>
+    <p:sldId id="259" r:id="rId3"/>
+    <p:sldId id="260" r:id="rId4"/>
+    <p:sldId id="257" r:id="rId5"/>
+    <p:sldId id="261" r:id="rId6"/>
   </p:sldIdLst>
   <p:sldSz cx="12192000" cy="6858000"/>
   <p:notesSz cx="6858000" cy="9144000"/>
+  <p:embeddedFontLst>
+    <p:embeddedFont>
+      <p:font typeface="Calibri" panose="020F0502020204030204" pitchFamily="34" charset="0"/>
+      <p:regular r:id="rId7"/>
+      <p:bold r:id="rId8"/>
+      <p:italic r:id="rId9"/>
+      <p:boldItalic r:id="rId10"/>
+    </p:embeddedFont>
+    <p:embeddedFont>
+      <p:font typeface="Consolas" panose="020B0609020204030204" pitchFamily="49" charset="0"/>
+      <p:regular r:id="rId11"/>
+      <p:bold r:id="rId12"/>
+      <p:italic r:id="rId13"/>
+      <p:boldItalic r:id="rId14"/>
+    </p:embeddedFont>
+  </p:embeddedFontLst>
   <p:defaultTextStyle>
     <a:defPPr>
       <a:defRPr lang="en-US"/>
@@ -270,7 +290,7 @@
           <a:p>
             <a:fld id="{33BC471E-9A91-6E4E-A437-059E084888A1}" type="datetimeFigureOut">
               <a:rPr lang="en-US" smtClean="0"/>
-              <a:t>9/19/19</a:t>
+              <a:t>11/11/19</a:t>
             </a:fld>
             <a:endParaRPr lang="en-US"/>
           </a:p>
@@ -468,7 +488,7 @@
           <a:p>
             <a:fld id="{33BC471E-9A91-6E4E-A437-059E084888A1}" type="datetimeFigureOut">
               <a:rPr lang="en-US" smtClean="0"/>
-              <a:t>9/19/19</a:t>
+              <a:t>11/11/19</a:t>
             </a:fld>
             <a:endParaRPr lang="en-US"/>
           </a:p>
@@ -676,7 +696,7 @@
           <a:p>
             <a:fld id="{33BC471E-9A91-6E4E-A437-059E084888A1}" type="datetimeFigureOut">
               <a:rPr lang="en-US" smtClean="0"/>
-              <a:t>9/19/19</a:t>
+              <a:t>11/11/19</a:t>
             </a:fld>
             <a:endParaRPr lang="en-US"/>
           </a:p>
@@ -874,7 +894,7 @@
           <a:p>
             <a:fld id="{33BC471E-9A91-6E4E-A437-059E084888A1}" type="datetimeFigureOut">
               <a:rPr lang="en-US" smtClean="0"/>
-              <a:t>9/19/19</a:t>
+              <a:t>11/11/19</a:t>
             </a:fld>
             <a:endParaRPr lang="en-US"/>
           </a:p>
@@ -1149,7 +1169,7 @@
           <a:p>
             <a:fld id="{33BC471E-9A91-6E4E-A437-059E084888A1}" type="datetimeFigureOut">
               <a:rPr lang="en-US" smtClean="0"/>
-              <a:t>9/19/19</a:t>
+              <a:t>11/11/19</a:t>
             </a:fld>
             <a:endParaRPr lang="en-US"/>
           </a:p>
@@ -1414,7 +1434,7 @@
           <a:p>
             <a:fld id="{33BC471E-9A91-6E4E-A437-059E084888A1}" type="datetimeFigureOut">
               <a:rPr lang="en-US" smtClean="0"/>
-              <a:t>9/19/19</a:t>
+              <a:t>11/11/19</a:t>
             </a:fld>
             <a:endParaRPr lang="en-US"/>
           </a:p>
@@ -1826,7 +1846,7 @@
           <a:p>
             <a:fld id="{33BC471E-9A91-6E4E-A437-059E084888A1}" type="datetimeFigureOut">
               <a:rPr lang="en-US" smtClean="0"/>
-              <a:t>9/19/19</a:t>
+              <a:t>11/11/19</a:t>
             </a:fld>
             <a:endParaRPr lang="en-US"/>
           </a:p>
@@ -1967,7 +1987,7 @@
           <a:p>
             <a:fld id="{33BC471E-9A91-6E4E-A437-059E084888A1}" type="datetimeFigureOut">
               <a:rPr lang="en-US" smtClean="0"/>
-              <a:t>9/19/19</a:t>
+              <a:t>11/11/19</a:t>
             </a:fld>
             <a:endParaRPr lang="en-US"/>
           </a:p>
@@ -2080,7 +2100,7 @@
           <a:p>
             <a:fld id="{33BC471E-9A91-6E4E-A437-059E084888A1}" type="datetimeFigureOut">
               <a:rPr lang="en-US" smtClean="0"/>
-              <a:t>9/19/19</a:t>
+              <a:t>11/11/19</a:t>
             </a:fld>
             <a:endParaRPr lang="en-US"/>
           </a:p>
@@ -2391,7 +2411,7 @@
           <a:p>
             <a:fld id="{33BC471E-9A91-6E4E-A437-059E084888A1}" type="datetimeFigureOut">
               <a:rPr lang="en-US" smtClean="0"/>
-              <a:t>9/19/19</a:t>
+              <a:t>11/11/19</a:t>
             </a:fld>
             <a:endParaRPr lang="en-US"/>
           </a:p>
@@ -2679,7 +2699,7 @@
           <a:p>
             <a:fld id="{33BC471E-9A91-6E4E-A437-059E084888A1}" type="datetimeFigureOut">
               <a:rPr lang="en-US" smtClean="0"/>
-              <a:t>9/19/19</a:t>
+              <a:t>11/11/19</a:t>
             </a:fld>
             <a:endParaRPr lang="en-US"/>
           </a:p>
@@ -2806,7 +2826,7 @@
           <a:lstStyle/>
           <a:p>
             <a:r>
-              <a:rPr lang="en-US"/>
+              <a:rPr lang="en-US" dirty="0"/>
               <a:t>Click to edit Master title style</a:t>
             </a:r>
           </a:p>
@@ -2920,7 +2940,7 @@
           <a:p>
             <a:fld id="{33BC471E-9A91-6E4E-A437-059E084888A1}" type="datetimeFigureOut">
               <a:rPr lang="en-US" smtClean="0"/>
-              <a:t>9/19/19</a:t>
+              <a:t>11/11/19</a:t>
             </a:fld>
             <a:endParaRPr lang="en-US"/>
           </a:p>
@@ -3051,9 +3071,9 @@
           <a:solidFill>
             <a:schemeClr val="tx1"/>
           </a:solidFill>
-          <a:latin typeface="+mj-lt"/>
+          <a:latin typeface="+mn-lt"/>
           <a:ea typeface="+mj-ea"/>
-          <a:cs typeface="+mj-cs"/>
+          <a:cs typeface="Courier New" panose="02070309020205020404" pitchFamily="49" charset="0"/>
         </a:defRPr>
       </a:lvl1pPr>
     </p:titleStyle>
@@ -3323,6 +3343,14 @@
 <file path=ppt/slides/slide1.xml><?xml version="1.0" encoding="utf-8"?>
 <p:sld xmlns:a="http://schemas.openxmlformats.org/drawingml/2006/main" xmlns:r="http://schemas.openxmlformats.org/officeDocument/2006/relationships" xmlns:p="http://schemas.openxmlformats.org/presentationml/2006/main">
   <p:cSld>
+    <p:bg>
+      <p:bgPr>
+        <a:solidFill>
+          <a:schemeClr val="tx1"/>
+        </a:solidFill>
+        <a:effectLst/>
+      </p:bgPr>
+    </p:bg>
     <p:spTree>
       <p:nvGrpSpPr>
         <p:cNvPr id="1" name=""/>
@@ -3339,9 +3367,954 @@
       </p:grpSpPr>
       <p:sp>
         <p:nvSpPr>
+          <p:cNvPr id="71" name="Rectangle 70">
+            <a:extLst>
+              <a:ext uri="{FF2B5EF4-FFF2-40B4-BE49-F238E27FC236}">
+                <a16:creationId xmlns:a16="http://schemas.microsoft.com/office/drawing/2014/main" id="{867D4867-5BA7-4462-B2F6-A23F4A622AA7}"/>
+              </a:ext>
+              <a:ext uri="{C183D7F6-B498-43B3-948B-1728B52AA6E4}">
+                <adec:decorative xmlns:adec="http://schemas.microsoft.com/office/drawing/2017/decorative" val="1"/>
+              </a:ext>
+            </a:extLst>
+          </p:cNvPr>
+          <p:cNvSpPr>
+            <a:spLocks noGrp="1" noRot="1" noChangeAspect="1" noMove="1" noResize="1" noEditPoints="1" noAdjustHandles="1" noChangeArrowheads="1" noChangeShapeType="1" noTextEdit="1"/>
+          </p:cNvSpPr>
+          <p:nvPr>
+            <p:extLst>
+              <p:ext uri="{386F3935-93C4-4BCD-93E2-E3B085C9AB24}">
+                <p16:designElem xmlns:p16="http://schemas.microsoft.com/office/powerpoint/2015/main" val="1"/>
+              </p:ext>
+            </p:extLst>
+          </p:nvPr>
+        </p:nvSpPr>
+        <p:spPr>
+          <a:xfrm>
+            <a:off x="0" y="0"/>
+            <a:ext cx="4654296" cy="6858000"/>
+          </a:xfrm>
+          <a:prstGeom prst="rect">
+            <a:avLst/>
+          </a:prstGeom>
+          <a:solidFill>
+            <a:srgbClr val="3F3F3F"/>
+          </a:solidFill>
+          <a:ln>
+            <a:noFill/>
+          </a:ln>
+        </p:spPr>
+        <p:style>
+          <a:lnRef idx="0">
+            <a:scrgbClr r="0" g="0" b="0"/>
+          </a:lnRef>
+          <a:fillRef idx="0">
+            <a:scrgbClr r="0" g="0" b="0"/>
+          </a:fillRef>
+          <a:effectRef idx="0">
+            <a:scrgbClr r="0" g="0" b="0"/>
+          </a:effectRef>
+          <a:fontRef idx="minor">
+            <a:schemeClr val="lt1"/>
+          </a:fontRef>
+        </p:style>
+        <p:txBody>
+          <a:bodyPr rtlCol="0" anchor="ctr"/>
+          <a:lstStyle/>
+          <a:p>
+            <a:pPr algn="ctr"/>
+            <a:endParaRPr lang="en-US" dirty="0"/>
+          </a:p>
+        </p:txBody>
+      </p:sp>
+      <p:sp>
+        <p:nvSpPr>
           <p:cNvPr id="2" name="Title 1">
             <a:extLst>
               <a:ext uri="{FF2B5EF4-FFF2-40B4-BE49-F238E27FC236}">
+                <a16:creationId xmlns:a16="http://schemas.microsoft.com/office/drawing/2014/main" id="{4FCD890E-2E93-4544-AB41-8001FC37D9D1}"/>
+              </a:ext>
+            </a:extLst>
+          </p:cNvPr>
+          <p:cNvSpPr>
+            <a:spLocks noGrp="1"/>
+          </p:cNvSpPr>
+          <p:nvPr>
+            <p:ph type="title"/>
+          </p:nvPr>
+        </p:nvSpPr>
+        <p:spPr>
+          <a:xfrm>
+            <a:off x="643468" y="623392"/>
+            <a:ext cx="3363974" cy="1607060"/>
+          </a:xfrm>
+          <a:noFill/>
+          <a:ln w="19050">
+            <a:solidFill>
+              <a:schemeClr val="tx1"/>
+            </a:solidFill>
+          </a:ln>
+        </p:spPr>
+        <p:txBody>
+          <a:bodyPr wrap="square" anchor="ctr">
+            <a:normAutofit/>
+          </a:bodyPr>
+          <a:lstStyle/>
+          <a:p>
+            <a:pPr algn="ctr"/>
+            <a:r>
+              <a:rPr lang="en-US" sz="2800"/>
+              <a:t>Workshop voorbeeld: </a:t>
+            </a:r>
+            <a:r>
+              <a:rPr lang="en-US" sz="2800" b="1"/>
+              <a:t>Suffragium</a:t>
+            </a:r>
+            <a:endParaRPr lang="en-US" sz="2800"/>
+          </a:p>
+        </p:txBody>
+      </p:sp>
+      <p:sp>
+        <p:nvSpPr>
+          <p:cNvPr id="3" name="Content Placeholder 2">
+            <a:extLst>
+              <a:ext uri="{FF2B5EF4-FFF2-40B4-BE49-F238E27FC236}">
+                <a16:creationId xmlns:a16="http://schemas.microsoft.com/office/drawing/2014/main" id="{B47FCA83-6C06-DA48-8323-C2B2AEAE7650}"/>
+              </a:ext>
+            </a:extLst>
+          </p:cNvPr>
+          <p:cNvSpPr>
+            <a:spLocks noGrp="1"/>
+          </p:cNvSpPr>
+          <p:nvPr>
+            <p:ph idx="1"/>
+          </p:nvPr>
+        </p:nvSpPr>
+        <p:spPr>
+          <a:xfrm>
+            <a:off x="643468" y="2638043"/>
+            <a:ext cx="3363974" cy="3415623"/>
+          </a:xfrm>
+        </p:spPr>
+        <p:txBody>
+          <a:bodyPr>
+            <a:normAutofit/>
+          </a:bodyPr>
+          <a:lstStyle/>
+          <a:p>
+            <a:r>
+              <a:rPr lang="en-US" sz="2000" dirty="0"/>
+              <a:t>(</a:t>
+            </a:r>
+            <a:r>
+              <a:rPr lang="en-US" sz="2000" dirty="0" err="1"/>
+              <a:t>relatief</a:t>
+            </a:r>
+            <a:r>
+              <a:rPr lang="en-US" sz="2000" dirty="0"/>
+              <a:t>) oud project</a:t>
+            </a:r>
+          </a:p>
+          <a:p>
+            <a:r>
+              <a:rPr lang="en-US" sz="2000" dirty="0"/>
+              <a:t>near-</a:t>
+            </a:r>
+            <a:r>
+              <a:rPr lang="en-US" sz="2000" dirty="0" err="1"/>
+              <a:t>realtime</a:t>
+            </a:r>
+            <a:r>
+              <a:rPr lang="en-US" sz="2000" dirty="0"/>
+              <a:t> app</a:t>
+            </a:r>
+          </a:p>
+          <a:p>
+            <a:r>
+              <a:rPr lang="en-US" sz="2000" dirty="0" err="1"/>
+              <a:t>niet</a:t>
+            </a:r>
+            <a:r>
+              <a:rPr lang="en-US" sz="2000" dirty="0"/>
+              <a:t> met React of Webpack</a:t>
+            </a:r>
+          </a:p>
+          <a:p>
+            <a:r>
+              <a:rPr lang="en-US" sz="2000" dirty="0" err="1"/>
+              <a:t>wel</a:t>
+            </a:r>
+            <a:r>
+              <a:rPr lang="en-US" sz="2000" dirty="0"/>
+              <a:t> Express </a:t>
+            </a:r>
+            <a:r>
+              <a:rPr lang="en-US" sz="2000" dirty="0" err="1"/>
+              <a:t>en</a:t>
+            </a:r>
+            <a:r>
+              <a:rPr lang="en-US" sz="2000" dirty="0"/>
+              <a:t> MongoDB</a:t>
+            </a:r>
+          </a:p>
+          <a:p>
+            <a:r>
+              <a:rPr lang="en-US" sz="2000" dirty="0" err="1"/>
+              <a:t>negeer</a:t>
+            </a:r>
+            <a:r>
+              <a:rPr lang="en-US" sz="2000" dirty="0"/>
+              <a:t> security </a:t>
+            </a:r>
+            <a:r>
+              <a:rPr lang="en-US" sz="2000" dirty="0" err="1"/>
+              <a:t>waarschuwingen</a:t>
+            </a:r>
+            <a:endParaRPr lang="en-US" sz="2000" dirty="0"/>
+          </a:p>
+          <a:p>
+            <a:endParaRPr lang="en-US" sz="2000" dirty="0"/>
+          </a:p>
+        </p:txBody>
+      </p:sp>
+      <p:pic>
+        <p:nvPicPr>
+          <p:cNvPr id="1026" name="Picture 2" descr="realtime">
+            <a:extLst>
+              <a:ext uri="{FF2B5EF4-FFF2-40B4-BE49-F238E27FC236}">
+                <a16:creationId xmlns:a16="http://schemas.microsoft.com/office/drawing/2014/main" id="{A7BD7714-7B79-CD40-97A4-0152562AC012}"/>
+              </a:ext>
+            </a:extLst>
+          </p:cNvPr>
+          <p:cNvPicPr>
+            <a:picLocks noChangeAspect="1" noChangeArrowheads="1"/>
+          </p:cNvPicPr>
+          <p:nvPr/>
+        </p:nvPicPr>
+        <p:blipFill>
+          <a:blip r:embed="rId2">
+            <a:extLst>
+              <a:ext uri="{28A0092B-C50C-407E-A947-70E740481C1C}">
+                <a14:useLocalDpi xmlns:a14="http://schemas.microsoft.com/office/drawing/2010/main" val="0"/>
+              </a:ext>
+            </a:extLst>
+          </a:blip>
+          <a:stretch>
+            <a:fillRect/>
+          </a:stretch>
+        </p:blipFill>
+        <p:spPr bwMode="auto">
+          <a:xfrm>
+            <a:off x="5297763" y="1655650"/>
+            <a:ext cx="6250769" cy="3385833"/>
+          </a:xfrm>
+          <a:prstGeom prst="rect">
+            <a:avLst/>
+          </a:prstGeom>
+          <a:noFill/>
+          <a:extLst>
+            <a:ext uri="{909E8E84-426E-40DD-AFC4-6F175D3DCCD1}">
+              <a14:hiddenFill xmlns:a14="http://schemas.microsoft.com/office/drawing/2010/main">
+                <a:solidFill>
+                  <a:srgbClr val="FFFFFF"/>
+                </a:solidFill>
+              </a14:hiddenFill>
+            </a:ext>
+          </a:extLst>
+        </p:spPr>
+      </p:pic>
+    </p:spTree>
+    <p:extLst>
+      <p:ext uri="{BB962C8B-B14F-4D97-AF65-F5344CB8AC3E}">
+        <p14:creationId xmlns:p14="http://schemas.microsoft.com/office/powerpoint/2010/main" val="2856405534"/>
+      </p:ext>
+    </p:extLst>
+  </p:cSld>
+  <p:clrMapOvr>
+    <a:overrideClrMapping bg1="dk1" tx1="lt1" bg2="dk2" tx2="lt2" accent1="accent1" accent2="accent2" accent3="accent3" accent4="accent4" accent5="accent5" accent6="accent6" hlink="hlink" folHlink="folHlink"/>
+  </p:clrMapOvr>
+</p:sld>
+</file>
+
+<file path=ppt/slides/slide2.xml><?xml version="1.0" encoding="utf-8"?>
+<p:sld xmlns:a="http://schemas.openxmlformats.org/drawingml/2006/main" xmlns:r="http://schemas.openxmlformats.org/officeDocument/2006/relationships" xmlns:p="http://schemas.openxmlformats.org/presentationml/2006/main">
+  <p:cSld>
+    <p:spTree>
+      <p:nvGrpSpPr>
+        <p:cNvPr id="1" name=""/>
+        <p:cNvGrpSpPr/>
+        <p:nvPr/>
+      </p:nvGrpSpPr>
+      <p:grpSpPr>
+        <a:xfrm>
+          <a:off x="0" y="0"/>
+          <a:ext cx="0" cy="0"/>
+          <a:chOff x="0" y="0"/>
+          <a:chExt cx="0" cy="0"/>
+        </a:xfrm>
+      </p:grpSpPr>
+      <p:sp>
+        <p:nvSpPr>
+          <p:cNvPr id="2" name="Title 1">
+            <a:extLst>
+              <a:ext uri="{FF2B5EF4-FFF2-40B4-BE49-F238E27FC236}">
+                <a16:creationId xmlns:a16="http://schemas.microsoft.com/office/drawing/2014/main" id="{C3242B55-97CD-4F49-83C9-4DB912A08FFE}"/>
+              </a:ext>
+            </a:extLst>
+          </p:cNvPr>
+          <p:cNvSpPr>
+            <a:spLocks noGrp="1"/>
+          </p:cNvSpPr>
+          <p:nvPr>
+            <p:ph type="title"/>
+          </p:nvPr>
+        </p:nvSpPr>
+        <p:spPr>
+          <a:xfrm>
+            <a:off x="838200" y="0"/>
+            <a:ext cx="10515600" cy="1325563"/>
+          </a:xfrm>
+        </p:spPr>
+        <p:txBody>
+          <a:bodyPr/>
+          <a:lstStyle/>
+          <a:p>
+            <a:r>
+              <a:rPr lang="en-US" dirty="0" err="1"/>
+              <a:t>Suffragium</a:t>
+            </a:r>
+            <a:r>
+              <a:rPr lang="en-US" dirty="0"/>
+              <a:t> </a:t>
+            </a:r>
+            <a:r>
+              <a:rPr lang="en-US" dirty="0" err="1"/>
+              <a:t>installeren</a:t>
+            </a:r>
+            <a:r>
+              <a:rPr lang="en-US" dirty="0"/>
+              <a:t>	</a:t>
+            </a:r>
+          </a:p>
+        </p:txBody>
+      </p:sp>
+      <p:sp>
+        <p:nvSpPr>
+          <p:cNvPr id="3" name="Content Placeholder 2">
+            <a:extLst>
+              <a:ext uri="{FF2B5EF4-FFF2-40B4-BE49-F238E27FC236}">
+                <a16:creationId xmlns:a16="http://schemas.microsoft.com/office/drawing/2014/main" id="{B12C7816-0060-0F4B-B260-09AFCD19E7A4}"/>
+              </a:ext>
+            </a:extLst>
+          </p:cNvPr>
+          <p:cNvSpPr>
+            <a:spLocks noGrp="1"/>
+          </p:cNvSpPr>
+          <p:nvPr>
+            <p:ph idx="1"/>
+          </p:nvPr>
+        </p:nvSpPr>
+        <p:spPr>
+          <a:xfrm>
+            <a:off x="838200" y="1324708"/>
+            <a:ext cx="10515600" cy="5310554"/>
+          </a:xfrm>
+        </p:spPr>
+        <p:txBody>
+          <a:bodyPr>
+            <a:noAutofit/>
+          </a:bodyPr>
+          <a:lstStyle/>
+          <a:p>
+            <a:pPr marL="0" indent="0">
+              <a:lnSpc>
+                <a:spcPct val="139000"/>
+              </a:lnSpc>
+              <a:buNone/>
+            </a:pPr>
+            <a:r>
+              <a:rPr lang="en-US" sz="1800" dirty="0">
+                <a:latin typeface="Consolas" panose="020B0609020204030204" pitchFamily="49" charset="0"/>
+                <a:cs typeface="Consolas" panose="020B0609020204030204" pitchFamily="49" charset="0"/>
+              </a:rPr>
+              <a:t>&gt;. git clone https://github.com/HANICA-DWA/suffragium.git</a:t>
+            </a:r>
+          </a:p>
+          <a:p>
+            <a:pPr marL="0" indent="0">
+              <a:lnSpc>
+                <a:spcPct val="139000"/>
+              </a:lnSpc>
+              <a:buNone/>
+            </a:pPr>
+            <a:r>
+              <a:rPr lang="en-US" sz="1800" dirty="0">
+                <a:latin typeface="Consolas" panose="020B0609020204030204" pitchFamily="49" charset="0"/>
+                <a:cs typeface="Consolas" panose="020B0609020204030204" pitchFamily="49" charset="0"/>
+              </a:rPr>
+              <a:t>&gt;  cd </a:t>
+            </a:r>
+            <a:r>
+              <a:rPr lang="en-US" sz="1800" dirty="0" err="1">
+                <a:latin typeface="Consolas" panose="020B0609020204030204" pitchFamily="49" charset="0"/>
+                <a:cs typeface="Consolas" panose="020B0609020204030204" pitchFamily="49" charset="0"/>
+              </a:rPr>
+              <a:t>suffragium</a:t>
+            </a:r>
+            <a:endParaRPr lang="en-US" sz="1800" dirty="0">
+              <a:latin typeface="Consolas" panose="020B0609020204030204" pitchFamily="49" charset="0"/>
+              <a:cs typeface="Consolas" panose="020B0609020204030204" pitchFamily="49" charset="0"/>
+            </a:endParaRPr>
+          </a:p>
+          <a:p>
+            <a:pPr marL="407988" indent="-407988">
+              <a:lnSpc>
+                <a:spcPct val="139000"/>
+              </a:lnSpc>
+            </a:pPr>
+            <a:r>
+              <a:rPr lang="en-US" sz="2000" dirty="0" err="1"/>
+              <a:t>kijk</a:t>
+            </a:r>
+            <a:r>
+              <a:rPr lang="en-US" sz="2000" dirty="0"/>
+              <a:t> </a:t>
+            </a:r>
+            <a:r>
+              <a:rPr lang="en-US" sz="2000" dirty="0" err="1"/>
+              <a:t>naar</a:t>
+            </a:r>
+            <a:r>
+              <a:rPr lang="en-US" sz="2000" dirty="0"/>
+              <a:t> dev-dependencies in </a:t>
+            </a:r>
+            <a:r>
+              <a:rPr lang="en-US" sz="2000" dirty="0" err="1"/>
+              <a:t>package.json</a:t>
+            </a:r>
+            <a:r>
+              <a:rPr lang="en-US" sz="2000" dirty="0"/>
+              <a:t>:</a:t>
+            </a:r>
+          </a:p>
+          <a:p>
+            <a:pPr lvl="1">
+              <a:lnSpc>
+                <a:spcPct val="139000"/>
+              </a:lnSpc>
+              <a:spcBef>
+                <a:spcPts val="0"/>
+              </a:spcBef>
+            </a:pPr>
+            <a:r>
+              <a:rPr lang="en-US" sz="1600" dirty="0"/>
+              <a:t>jest</a:t>
+            </a:r>
+          </a:p>
+          <a:p>
+            <a:pPr lvl="1">
+              <a:lnSpc>
+                <a:spcPct val="139000"/>
+              </a:lnSpc>
+              <a:spcBef>
+                <a:spcPts val="0"/>
+              </a:spcBef>
+            </a:pPr>
+            <a:r>
+              <a:rPr lang="en-US" sz="1600" dirty="0"/>
+              <a:t>puppeteer</a:t>
+            </a:r>
+          </a:p>
+          <a:p>
+            <a:pPr marL="361950" indent="-361950">
+              <a:lnSpc>
+                <a:spcPct val="139000"/>
+              </a:lnSpc>
+            </a:pPr>
+            <a:r>
+              <a:rPr lang="en-US" sz="2000" dirty="0" err="1"/>
+              <a:t>kijk</a:t>
+            </a:r>
+            <a:r>
+              <a:rPr lang="en-US" sz="2000" dirty="0"/>
+              <a:t> </a:t>
+            </a:r>
+            <a:r>
+              <a:rPr lang="en-US" sz="2000" dirty="0" err="1"/>
+              <a:t>naar</a:t>
+            </a:r>
+            <a:r>
+              <a:rPr lang="en-US" sz="2000" dirty="0"/>
+              <a:t> scripts in </a:t>
+            </a:r>
+            <a:r>
+              <a:rPr lang="en-US" sz="2000" dirty="0" err="1"/>
+              <a:t>package.json</a:t>
+            </a:r>
+            <a:r>
+              <a:rPr lang="en-US" sz="2000" dirty="0"/>
+              <a:t>:</a:t>
+            </a:r>
+          </a:p>
+          <a:p>
+            <a:pPr lvl="1">
+              <a:lnSpc>
+                <a:spcPct val="139000"/>
+              </a:lnSpc>
+            </a:pPr>
+            <a:r>
+              <a:rPr lang="en-US" sz="1800" dirty="0">
+                <a:latin typeface="Consolas" panose="020B0609020204030204" pitchFamily="49" charset="0"/>
+                <a:cs typeface="Consolas" panose="020B0609020204030204" pitchFamily="49" charset="0"/>
+              </a:rPr>
+              <a:t>"</a:t>
+            </a:r>
+            <a:r>
+              <a:rPr lang="en-US" sz="1800" dirty="0" err="1">
+                <a:latin typeface="Consolas" panose="020B0609020204030204" pitchFamily="49" charset="0"/>
+                <a:cs typeface="Consolas" panose="020B0609020204030204" pitchFamily="49" charset="0"/>
+              </a:rPr>
+              <a:t>build:js</a:t>
+            </a:r>
+            <a:r>
+              <a:rPr lang="en-US" sz="1800" dirty="0">
+                <a:latin typeface="Consolas" panose="020B0609020204030204" pitchFamily="49" charset="0"/>
+                <a:cs typeface="Consolas" panose="020B0609020204030204" pitchFamily="49" charset="0"/>
+              </a:rPr>
+              <a:t>": "</a:t>
+            </a:r>
+            <a:r>
+              <a:rPr lang="en-US" sz="1800" dirty="0" err="1">
+                <a:latin typeface="Consolas" panose="020B0609020204030204" pitchFamily="49" charset="0"/>
+                <a:cs typeface="Consolas" panose="020B0609020204030204" pitchFamily="49" charset="0"/>
+              </a:rPr>
+              <a:t>browserify</a:t>
+            </a:r>
+            <a:r>
+              <a:rPr lang="en-US" sz="1800" dirty="0">
+                <a:latin typeface="Consolas" panose="020B0609020204030204" pitchFamily="49" charset="0"/>
+                <a:cs typeface="Consolas" panose="020B0609020204030204" pitchFamily="49" charset="0"/>
+              </a:rPr>
+              <a:t> -t </a:t>
+            </a:r>
+            <a:r>
+              <a:rPr lang="en-US" sz="1800" dirty="0" err="1">
+                <a:latin typeface="Consolas" panose="020B0609020204030204" pitchFamily="49" charset="0"/>
+                <a:cs typeface="Consolas" panose="020B0609020204030204" pitchFamily="49" charset="0"/>
+              </a:rPr>
+              <a:t>brfs</a:t>
+            </a:r>
+            <a:r>
+              <a:rPr lang="en-US" sz="1800" dirty="0">
+                <a:latin typeface="Consolas" panose="020B0609020204030204" pitchFamily="49" charset="0"/>
+                <a:cs typeface="Consolas" panose="020B0609020204030204" pitchFamily="49" charset="0"/>
+              </a:rPr>
+              <a:t> </a:t>
+            </a:r>
+            <a:r>
+              <a:rPr lang="en-US" sz="1800" dirty="0" err="1">
+                <a:latin typeface="Consolas" panose="020B0609020204030204" pitchFamily="49" charset="0"/>
+                <a:cs typeface="Consolas" panose="020B0609020204030204" pitchFamily="49" charset="0"/>
+              </a:rPr>
+              <a:t>src</a:t>
+            </a:r>
+            <a:r>
+              <a:rPr lang="en-US" sz="1800" dirty="0">
+                <a:latin typeface="Consolas" panose="020B0609020204030204" pitchFamily="49" charset="0"/>
+                <a:cs typeface="Consolas" panose="020B0609020204030204" pitchFamily="49" charset="0"/>
+              </a:rPr>
+              <a:t>/app/</a:t>
+            </a:r>
+            <a:r>
+              <a:rPr lang="en-US" sz="1800" dirty="0" err="1">
+                <a:latin typeface="Consolas" panose="020B0609020204030204" pitchFamily="49" charset="0"/>
+                <a:cs typeface="Consolas" panose="020B0609020204030204" pitchFamily="49" charset="0"/>
+              </a:rPr>
+              <a:t>main.js</a:t>
+            </a:r>
+            <a:r>
+              <a:rPr lang="en-US" sz="1800" dirty="0">
+                <a:latin typeface="Consolas" panose="020B0609020204030204" pitchFamily="49" charset="0"/>
+                <a:cs typeface="Consolas" panose="020B0609020204030204" pitchFamily="49" charset="0"/>
+              </a:rPr>
+              <a:t> -o client/</a:t>
+            </a:r>
+            <a:r>
+              <a:rPr lang="en-US" sz="1800" dirty="0" err="1">
+                <a:latin typeface="Consolas" panose="020B0609020204030204" pitchFamily="49" charset="0"/>
+                <a:cs typeface="Consolas" panose="020B0609020204030204" pitchFamily="49" charset="0"/>
+              </a:rPr>
+              <a:t>bundle.js</a:t>
+            </a:r>
+            <a:r>
+              <a:rPr lang="en-US" sz="1800" dirty="0">
+                <a:latin typeface="Consolas" panose="020B0609020204030204" pitchFamily="49" charset="0"/>
+                <a:cs typeface="Consolas" panose="020B0609020204030204" pitchFamily="49" charset="0"/>
+              </a:rPr>
+              <a:t>",</a:t>
+            </a:r>
+          </a:p>
+          <a:p>
+            <a:pPr lvl="1">
+              <a:lnSpc>
+                <a:spcPct val="139000"/>
+              </a:lnSpc>
+            </a:pPr>
+            <a:r>
+              <a:rPr lang="en-US" sz="1800" dirty="0">
+                <a:latin typeface="Consolas" panose="020B0609020204030204" pitchFamily="49" charset="0"/>
+                <a:cs typeface="Consolas" panose="020B0609020204030204" pitchFamily="49" charset="0"/>
+              </a:rPr>
+              <a:t>"e2e": "jest --</a:t>
+            </a:r>
+            <a:r>
+              <a:rPr lang="en-US" sz="1800" dirty="0" err="1">
+                <a:latin typeface="Consolas" panose="020B0609020204030204" pitchFamily="49" charset="0"/>
+                <a:cs typeface="Consolas" panose="020B0609020204030204" pitchFamily="49" charset="0"/>
+              </a:rPr>
+              <a:t>testMatch</a:t>
+            </a:r>
+            <a:r>
+              <a:rPr lang="en-US" sz="1800" dirty="0">
+                <a:latin typeface="Consolas" panose="020B0609020204030204" pitchFamily="49" charset="0"/>
+                <a:cs typeface="Consolas" panose="020B0609020204030204" pitchFamily="49" charset="0"/>
+              </a:rPr>
+              <a:t>=\"**/*.e2e.js\"",</a:t>
+            </a:r>
+          </a:p>
+          <a:p>
+            <a:pPr lvl="1">
+              <a:lnSpc>
+                <a:spcPct val="139000"/>
+              </a:lnSpc>
+            </a:pPr>
+            <a:r>
+              <a:rPr lang="en-US" sz="1800" dirty="0">
+                <a:latin typeface="Consolas" panose="020B0609020204030204" pitchFamily="49" charset="0"/>
+                <a:cs typeface="Consolas" panose="020B0609020204030204" pitchFamily="49" charset="0"/>
+              </a:rPr>
+              <a:t>"start": "node server/</a:t>
+            </a:r>
+            <a:r>
+              <a:rPr lang="en-US" sz="1800" dirty="0" err="1">
+                <a:latin typeface="Consolas" panose="020B0609020204030204" pitchFamily="49" charset="0"/>
+                <a:cs typeface="Consolas" panose="020B0609020204030204" pitchFamily="49" charset="0"/>
+              </a:rPr>
+              <a:t>app.js</a:t>
+            </a:r>
+            <a:r>
+              <a:rPr lang="en-US" sz="1800" dirty="0">
+                <a:latin typeface="Consolas" panose="020B0609020204030204" pitchFamily="49" charset="0"/>
+                <a:cs typeface="Consolas" panose="020B0609020204030204" pitchFamily="49" charset="0"/>
+              </a:rPr>
+              <a:t>”</a:t>
+            </a:r>
+          </a:p>
+          <a:p>
+            <a:r>
+              <a:rPr lang="en-US" sz="2000" dirty="0" err="1"/>
+              <a:t>kijk</a:t>
+            </a:r>
+            <a:r>
+              <a:rPr lang="en-US" sz="2000" dirty="0"/>
+              <a:t> map ‘e2e-tests’:</a:t>
+            </a:r>
+          </a:p>
+          <a:p>
+            <a:pPr lvl="1"/>
+            <a:r>
+              <a:rPr lang="en-US" sz="1600" dirty="0"/>
+              <a:t>main.e2e.js</a:t>
+            </a:r>
+          </a:p>
+          <a:p>
+            <a:pPr lvl="1"/>
+            <a:r>
+              <a:rPr lang="en-US" sz="1600" dirty="0"/>
+              <a:t>puppeteer-</a:t>
+            </a:r>
+            <a:r>
+              <a:rPr lang="en-US" sz="1600" dirty="0" err="1"/>
+              <a:t>cheatsheet.md</a:t>
+            </a:r>
+            <a:endParaRPr lang="en-US" sz="1600" dirty="0"/>
+          </a:p>
+          <a:p>
+            <a:pPr lvl="1"/>
+            <a:r>
+              <a:rPr lang="en-US" sz="1600" dirty="0" err="1"/>
+              <a:t>deze</a:t>
+            </a:r>
+            <a:r>
+              <a:rPr lang="en-US" sz="1600" dirty="0"/>
+              <a:t> </a:t>
+            </a:r>
+            <a:r>
+              <a:rPr lang="en-US" sz="1600" dirty="0" err="1"/>
+              <a:t>powerpoint</a:t>
+            </a:r>
+            <a:endParaRPr lang="en-US" sz="1600" dirty="0"/>
+          </a:p>
+          <a:p>
+            <a:pPr marL="0" indent="0">
+              <a:buNone/>
+            </a:pPr>
+            <a:endParaRPr lang="en-US" sz="2000" dirty="0">
+              <a:latin typeface="Consolas" panose="020B0609020204030204" pitchFamily="49" charset="0"/>
+              <a:cs typeface="Consolas" panose="020B0609020204030204" pitchFamily="49" charset="0"/>
+            </a:endParaRPr>
+          </a:p>
+          <a:p>
+            <a:pPr lvl="1"/>
+            <a:endParaRPr lang="en-US" sz="2000" dirty="0"/>
+          </a:p>
+          <a:p>
+            <a:pPr lvl="1"/>
+            <a:endParaRPr lang="en-US" sz="2000" dirty="0"/>
+          </a:p>
+          <a:p>
+            <a:endParaRPr lang="en-US" sz="2000" dirty="0"/>
+          </a:p>
+          <a:p>
+            <a:endParaRPr lang="en-US" sz="2000" dirty="0"/>
+          </a:p>
+        </p:txBody>
+      </p:sp>
+    </p:spTree>
+    <p:extLst>
+      <p:ext uri="{BB962C8B-B14F-4D97-AF65-F5344CB8AC3E}">
+        <p14:creationId xmlns:p14="http://schemas.microsoft.com/office/powerpoint/2010/main" val="246989640"/>
+      </p:ext>
+    </p:extLst>
+  </p:cSld>
+  <p:clrMapOvr>
+    <a:masterClrMapping/>
+  </p:clrMapOvr>
+</p:sld>
+</file>
+
+<file path=ppt/slides/slide3.xml><?xml version="1.0" encoding="utf-8"?>
+<p:sld xmlns:a="http://schemas.openxmlformats.org/drawingml/2006/main" xmlns:r="http://schemas.openxmlformats.org/officeDocument/2006/relationships" xmlns:p="http://schemas.openxmlformats.org/presentationml/2006/main">
+  <p:cSld>
+    <p:spTree>
+      <p:nvGrpSpPr>
+        <p:cNvPr id="1" name=""/>
+        <p:cNvGrpSpPr/>
+        <p:nvPr/>
+      </p:nvGrpSpPr>
+      <p:grpSpPr>
+        <a:xfrm>
+          <a:off x="0" y="0"/>
+          <a:ext cx="0" cy="0"/>
+          <a:chOff x="0" y="0"/>
+          <a:chExt cx="0" cy="0"/>
+        </a:xfrm>
+      </p:grpSpPr>
+      <p:sp>
+        <p:nvSpPr>
+          <p:cNvPr id="2" name="Title 1">
+            <a:extLst>
+              <a:ext uri="{FF2B5EF4-FFF2-40B4-BE49-F238E27FC236}">
+                <a16:creationId xmlns:a16="http://schemas.microsoft.com/office/drawing/2014/main" id="{B8292FD9-5AE2-8442-8782-F2A1A39C97F3}"/>
+              </a:ext>
+            </a:extLst>
+          </p:cNvPr>
+          <p:cNvSpPr>
+            <a:spLocks noGrp="1"/>
+          </p:cNvSpPr>
+          <p:nvPr>
+            <p:ph type="title"/>
+          </p:nvPr>
+        </p:nvSpPr>
+        <p:spPr/>
+        <p:txBody>
+          <a:bodyPr/>
+          <a:lstStyle/>
+          <a:p>
+            <a:r>
+              <a:rPr lang="en-US" dirty="0"/>
+              <a:t>Starting the app</a:t>
+            </a:r>
+          </a:p>
+        </p:txBody>
+      </p:sp>
+      <p:sp>
+        <p:nvSpPr>
+          <p:cNvPr id="3" name="Content Placeholder 2">
+            <a:extLst>
+              <a:ext uri="{FF2B5EF4-FFF2-40B4-BE49-F238E27FC236}">
+                <a16:creationId xmlns:a16="http://schemas.microsoft.com/office/drawing/2014/main" id="{75D7F78C-99CB-F74D-9F9F-303DB35BE02C}"/>
+              </a:ext>
+            </a:extLst>
+          </p:cNvPr>
+          <p:cNvSpPr>
+            <a:spLocks noGrp="1"/>
+          </p:cNvSpPr>
+          <p:nvPr>
+            <p:ph idx="1"/>
+          </p:nvPr>
+        </p:nvSpPr>
+        <p:spPr/>
+        <p:txBody>
+          <a:bodyPr/>
+          <a:lstStyle/>
+          <a:p>
+            <a:pPr marL="0" indent="0">
+              <a:lnSpc>
+                <a:spcPct val="139000"/>
+              </a:lnSpc>
+              <a:buNone/>
+            </a:pPr>
+            <a:r>
+              <a:rPr lang="en-US" dirty="0">
+                <a:latin typeface="Consolas" panose="020B0609020204030204" pitchFamily="49" charset="0"/>
+                <a:cs typeface="Consolas" panose="020B0609020204030204" pitchFamily="49" charset="0"/>
+              </a:rPr>
+              <a:t>&gt; </a:t>
+            </a:r>
+            <a:r>
+              <a:rPr lang="en-US" dirty="0" err="1">
+                <a:latin typeface="Consolas" panose="020B0609020204030204" pitchFamily="49" charset="0"/>
+                <a:cs typeface="Consolas" panose="020B0609020204030204" pitchFamily="49" charset="0"/>
+              </a:rPr>
+              <a:t>npm</a:t>
+            </a:r>
+            <a:r>
+              <a:rPr lang="en-US" dirty="0">
+                <a:latin typeface="Consolas" panose="020B0609020204030204" pitchFamily="49" charset="0"/>
+                <a:cs typeface="Consolas" panose="020B0609020204030204" pitchFamily="49" charset="0"/>
+              </a:rPr>
+              <a:t> install</a:t>
+            </a:r>
+          </a:p>
+          <a:p>
+            <a:pPr marL="0" indent="0">
+              <a:lnSpc>
+                <a:spcPct val="139000"/>
+              </a:lnSpc>
+              <a:buNone/>
+            </a:pPr>
+            <a:r>
+              <a:rPr lang="en-US" dirty="0">
+                <a:latin typeface="Consolas" panose="020B0609020204030204" pitchFamily="49" charset="0"/>
+                <a:cs typeface="Consolas" panose="020B0609020204030204" pitchFamily="49" charset="0"/>
+              </a:rPr>
+              <a:t>&gt; </a:t>
+            </a:r>
+            <a:r>
+              <a:rPr lang="en-US" dirty="0" err="1">
+                <a:latin typeface="Consolas" panose="020B0609020204030204" pitchFamily="49" charset="0"/>
+                <a:cs typeface="Consolas" panose="020B0609020204030204" pitchFamily="49" charset="0"/>
+              </a:rPr>
+              <a:t>npm</a:t>
+            </a:r>
+            <a:r>
+              <a:rPr lang="en-US" dirty="0">
+                <a:latin typeface="Consolas" panose="020B0609020204030204" pitchFamily="49" charset="0"/>
+                <a:cs typeface="Consolas" panose="020B0609020204030204" pitchFamily="49" charset="0"/>
+              </a:rPr>
+              <a:t> run </a:t>
+            </a:r>
+            <a:r>
+              <a:rPr lang="en-US" dirty="0" err="1">
+                <a:latin typeface="Consolas" panose="020B0609020204030204" pitchFamily="49" charset="0"/>
+                <a:cs typeface="Consolas" panose="020B0609020204030204" pitchFamily="49" charset="0"/>
+              </a:rPr>
+              <a:t>build:js</a:t>
+            </a:r>
+            <a:endParaRPr lang="en-US" dirty="0">
+              <a:latin typeface="Consolas" panose="020B0609020204030204" pitchFamily="49" charset="0"/>
+              <a:cs typeface="Consolas" panose="020B0609020204030204" pitchFamily="49" charset="0"/>
+            </a:endParaRPr>
+          </a:p>
+          <a:p>
+            <a:pPr marL="0" indent="0">
+              <a:lnSpc>
+                <a:spcPct val="139000"/>
+              </a:lnSpc>
+              <a:buNone/>
+            </a:pPr>
+            <a:r>
+              <a:rPr lang="en-US" dirty="0">
+                <a:latin typeface="Consolas" panose="020B0609020204030204" pitchFamily="49" charset="0"/>
+                <a:cs typeface="Consolas" panose="020B0609020204030204" pitchFamily="49" charset="0"/>
+              </a:rPr>
+              <a:t>&gt; </a:t>
+            </a:r>
+            <a:r>
+              <a:rPr lang="en-US" dirty="0" err="1">
+                <a:latin typeface="Consolas" panose="020B0609020204030204" pitchFamily="49" charset="0"/>
+                <a:cs typeface="Consolas" panose="020B0609020204030204" pitchFamily="49" charset="0"/>
+              </a:rPr>
+              <a:t>npm</a:t>
+            </a:r>
+            <a:r>
+              <a:rPr lang="en-US" dirty="0">
+                <a:latin typeface="Consolas" panose="020B0609020204030204" pitchFamily="49" charset="0"/>
+                <a:cs typeface="Consolas" panose="020B0609020204030204" pitchFamily="49" charset="0"/>
+              </a:rPr>
+              <a:t> start</a:t>
+            </a:r>
+          </a:p>
+          <a:p>
+            <a:pPr marL="0" indent="0">
+              <a:lnSpc>
+                <a:spcPct val="139000"/>
+              </a:lnSpc>
+              <a:buNone/>
+            </a:pPr>
+            <a:r>
+              <a:rPr lang="en-US" dirty="0">
+                <a:cs typeface="Consolas" panose="020B0609020204030204" pitchFamily="49" charset="0"/>
+              </a:rPr>
+              <a:t>&gt; open in browser: </a:t>
+            </a:r>
+            <a:r>
+              <a:rPr lang="en-US" b="1" dirty="0">
+                <a:cs typeface="Consolas" panose="020B0609020204030204" pitchFamily="49" charset="0"/>
+              </a:rPr>
+              <a:t>http://localhost:3002</a:t>
+            </a:r>
+          </a:p>
+          <a:p>
+            <a:endParaRPr lang="en-US" dirty="0"/>
+          </a:p>
+        </p:txBody>
+      </p:sp>
+    </p:spTree>
+    <p:extLst>
+      <p:ext uri="{BB962C8B-B14F-4D97-AF65-F5344CB8AC3E}">
+        <p14:creationId xmlns:p14="http://schemas.microsoft.com/office/powerpoint/2010/main" val="3787312515"/>
+      </p:ext>
+    </p:extLst>
+  </p:cSld>
+  <p:clrMapOvr>
+    <a:masterClrMapping/>
+  </p:clrMapOvr>
+</p:sld>
+</file>
+
+<file path=ppt/slides/slide4.xml><?xml version="1.0" encoding="utf-8"?>
+<p:sld xmlns:a="http://schemas.openxmlformats.org/drawingml/2006/main" xmlns:r="http://schemas.openxmlformats.org/officeDocument/2006/relationships" xmlns:p="http://schemas.openxmlformats.org/presentationml/2006/main">
+  <p:cSld>
+    <p:spTree>
+      <p:nvGrpSpPr>
+        <p:cNvPr id="1" name=""/>
+        <p:cNvGrpSpPr/>
+        <p:nvPr/>
+      </p:nvGrpSpPr>
+      <p:grpSpPr>
+        <a:xfrm>
+          <a:off x="0" y="0"/>
+          <a:ext cx="0" cy="0"/>
+          <a:chOff x="0" y="0"/>
+          <a:chExt cx="0" cy="0"/>
+        </a:xfrm>
+      </p:grpSpPr>
+      <p:sp>
+        <p:nvSpPr>
+          <p:cNvPr id="2" name="Title 1">
+            <a:extLst>
+              <a:ext uri="{FF2B5EF4-FFF2-40B4-BE49-F238E27FC236}">
                 <a16:creationId xmlns:a16="http://schemas.microsoft.com/office/drawing/2014/main" id="{983D5657-91BF-964B-B295-1F614D76F9C5}"/>
               </a:ext>
             </a:extLst>
@@ -3353,7 +4326,12 @@
             <p:ph type="title"/>
           </p:nvPr>
         </p:nvSpPr>
-        <p:spPr/>
+        <p:spPr>
+          <a:xfrm>
+            <a:off x="838200" y="91440"/>
+            <a:ext cx="10515600" cy="1325563"/>
+          </a:xfrm>
+        </p:spPr>
         <p:txBody>
           <a:bodyPr/>
           <a:lstStyle/>
@@ -3370,7 +4348,10 @@
               <a:rPr lang="en-US" dirty="0" err="1"/>
               <a:t>Suffragium</a:t>
             </a:r>
-            <a:endParaRPr lang="en-US" dirty="0"/>
+            <a:r>
+              <a:rPr lang="en-US" dirty="0"/>
+              <a:t>:</a:t>
+            </a:r>
           </a:p>
         </p:txBody>
       </p:sp>
@@ -3393,18 +4374,22 @@
         <p:spPr>
           <a:xfrm>
             <a:off x="838200" y="1463040"/>
-            <a:ext cx="10515600" cy="5303520"/>
+            <a:ext cx="10515600" cy="3282696"/>
           </a:xfrm>
         </p:spPr>
         <p:txBody>
           <a:bodyPr>
-            <a:normAutofit lnSpcReduction="10000"/>
+            <a:normAutofit fontScale="92500" lnSpcReduction="20000"/>
           </a:bodyPr>
           <a:lstStyle/>
           <a:p>
             <a:r>
-              <a:rPr lang="en-US" dirty="0"/>
-              <a:t>register user 1:</a:t>
+              <a:rPr lang="en-US" dirty="0" err="1"/>
+              <a:t>registreer</a:t>
+            </a:r>
+            <a:r>
+              <a:rPr lang="en-US" dirty="0"/>
+              <a:t> user:</a:t>
             </a:r>
           </a:p>
           <a:p>
@@ -3413,7 +4398,7 @@
               <a:rPr lang="en-US" dirty="0">
                 <a:hlinkClick r:id="rId2"/>
               </a:rPr>
-              <a:t>qq@qq.qq</a:t>
+              <a:t>ww@ww.ww</a:t>
             </a:r>
             <a:endParaRPr lang="en-US" dirty="0"/>
           </a:p>
@@ -3421,7 +4406,7 @@
             <a:pPr lvl="1"/>
             <a:r>
               <a:rPr lang="en-US" dirty="0" err="1"/>
-              <a:t>qqqqqq</a:t>
+              <a:t>wwwwww</a:t>
             </a:r>
             <a:endParaRPr lang="en-US" dirty="0"/>
           </a:p>
@@ -3431,8 +4416,28 @@
           </a:p>
           <a:p>
             <a:r>
-              <a:rPr lang="en-US" dirty="0"/>
-              <a:t>register user 2:</a:t>
+              <a:rPr lang="en-US" dirty="0" err="1"/>
+              <a:t>registreer</a:t>
+            </a:r>
+            <a:r>
+              <a:rPr lang="en-US" dirty="0"/>
+              <a:t> </a:t>
+            </a:r>
+            <a:r>
+              <a:rPr lang="en-US" dirty="0" err="1"/>
+              <a:t>nog</a:t>
+            </a:r>
+            <a:r>
+              <a:rPr lang="en-US" dirty="0"/>
+              <a:t> </a:t>
+            </a:r>
+            <a:r>
+              <a:rPr lang="en-US" dirty="0" err="1"/>
+              <a:t>een</a:t>
+            </a:r>
+            <a:r>
+              <a:rPr lang="en-US" dirty="0"/>
+              <a:t> user:</a:t>
             </a:r>
           </a:p>
           <a:p>
@@ -3441,7 +4446,7 @@
               <a:rPr lang="en-US" dirty="0">
                 <a:hlinkClick r:id="rId3"/>
               </a:rPr>
-              <a:t>ww@ww.ww</a:t>
+              <a:t>qq@qq.qq</a:t>
             </a:r>
             <a:endParaRPr lang="en-US" dirty="0"/>
           </a:p>
@@ -3449,7 +4454,7 @@
             <a:pPr lvl="1"/>
             <a:r>
               <a:rPr lang="en-US" dirty="0" err="1"/>
-              <a:t>wwwwww</a:t>
+              <a:t>qqqqqq</a:t>
             </a:r>
             <a:endParaRPr lang="en-US" dirty="0"/>
           </a:p>
@@ -3459,12 +4464,64 @@
           </a:p>
           <a:p>
             <a:r>
-              <a:rPr lang="en-US" dirty="0"/>
-              <a:t>create a question with ‘Star Wars’ in title, and 4 options. </a:t>
-            </a:r>
-            <a:r>
               <a:rPr lang="en-US" dirty="0" err="1"/>
-              <a:t>E.g</a:t>
+              <a:t>maak</a:t>
+            </a:r>
+            <a:r>
+              <a:rPr lang="en-US" dirty="0"/>
+              <a:t>, </a:t>
+            </a:r>
+            <a:r>
+              <a:rPr lang="en-US" dirty="0" err="1"/>
+              <a:t>als</a:t>
+            </a:r>
+            <a:r>
+              <a:rPr lang="en-US" dirty="0"/>
+              <a:t> user </a:t>
+            </a:r>
+            <a:r>
+              <a:rPr lang="en-US" i="1" dirty="0" err="1"/>
+              <a:t>qq@qq.qq</a:t>
+            </a:r>
+            <a:r>
+              <a:rPr lang="en-US" dirty="0"/>
+              <a:t>, </a:t>
+            </a:r>
+            <a:r>
+              <a:rPr lang="en-US" dirty="0" err="1"/>
+              <a:t>een</a:t>
+            </a:r>
+            <a:r>
+              <a:rPr lang="en-US" dirty="0"/>
+              <a:t> poll met ‘Star Wars’ in </a:t>
+            </a:r>
+            <a:r>
+              <a:rPr lang="en-US" dirty="0" err="1"/>
+              <a:t>titel</a:t>
+            </a:r>
+            <a:r>
+              <a:rPr lang="en-US" dirty="0"/>
+              <a:t> </a:t>
+            </a:r>
+            <a:r>
+              <a:rPr lang="en-US" dirty="0" err="1"/>
+              <a:t>en</a:t>
+            </a:r>
+            <a:r>
+              <a:rPr lang="en-US" dirty="0"/>
+              <a:t> 4 </a:t>
+            </a:r>
+            <a:r>
+              <a:rPr lang="en-US" dirty="0" err="1"/>
+              <a:t>antwoord-opties</a:t>
+            </a:r>
+            <a:r>
+              <a:rPr lang="en-US" dirty="0"/>
+              <a:t>. </a:t>
+            </a:r>
+            <a:r>
+              <a:rPr lang="en-US" dirty="0" err="1"/>
+              <a:t>b.v.</a:t>
             </a:r>
             <a:r>
               <a:rPr lang="en-US" dirty="0"/>
@@ -3473,9 +4530,58 @@
           </a:p>
           <a:p>
             <a:pPr lvl="1"/>
-            <a:r>
-              <a:rPr lang="en-US" dirty="0"/>
-              <a:t>who is your favorite Star Wars character?</a:t>
+            <a:endParaRPr lang="en-US" dirty="0"/>
+          </a:p>
+        </p:txBody>
+      </p:sp>
+      <p:sp>
+        <p:nvSpPr>
+          <p:cNvPr id="4" name="TextBox 3">
+            <a:extLst>
+              <a:ext uri="{FF2B5EF4-FFF2-40B4-BE49-F238E27FC236}">
+                <a16:creationId xmlns:a16="http://schemas.microsoft.com/office/drawing/2014/main" id="{17AAF382-2962-0642-97DA-E37A252A6EB9}"/>
+              </a:ext>
+            </a:extLst>
+          </p:cNvPr>
+          <p:cNvSpPr txBox="1"/>
+          <p:nvPr/>
+        </p:nvSpPr>
+        <p:spPr>
+          <a:xfrm>
+            <a:off x="941832" y="4919472"/>
+            <a:ext cx="5154168" cy="1754326"/>
+          </a:xfrm>
+          <a:prstGeom prst="rect">
+            <a:avLst/>
+          </a:prstGeom>
+          <a:noFill/>
+        </p:spPr>
+        <p:txBody>
+          <a:bodyPr wrap="square" rtlCol="0">
+            <a:spAutoFit/>
+          </a:bodyPr>
+          <a:lstStyle/>
+          <a:p>
+            <a:pPr lvl="1"/>
+            <a:r>
+              <a:rPr lang="en-US" dirty="0"/>
+              <a:t>Wie is je </a:t>
+            </a:r>
+            <a:r>
+              <a:rPr lang="en-US" dirty="0" err="1"/>
+              <a:t>favoriete</a:t>
+            </a:r>
+            <a:r>
+              <a:rPr lang="en-US" dirty="0"/>
+              <a:t> Star Wars </a:t>
+            </a:r>
+            <a:r>
+              <a:rPr lang="en-US" dirty="0" err="1"/>
+              <a:t>karakter</a:t>
+            </a:r>
+            <a:r>
+              <a:rPr lang="en-US" dirty="0"/>
+              <a:t>?</a:t>
             </a:r>
           </a:p>
           <a:p>
@@ -3489,7 +4595,7 @@
             <a:pPr lvl="2"/>
             <a:r>
               <a:rPr lang="en-US" dirty="0"/>
-              <a:t> Jar-Jar </a:t>
+              <a:t>Jar-Jar </a:t>
             </a:r>
             <a:r>
               <a:rPr lang="en-US" dirty="0" err="1"/>
@@ -3501,28 +4607,116 @@
             <a:pPr lvl="2"/>
             <a:r>
               <a:rPr lang="en-US" dirty="0"/>
-              <a:t>Emperor </a:t>
-            </a:r>
-            <a:r>
-              <a:rPr lang="en-US" dirty="0" err="1"/>
-              <a:t>Palpatine</a:t>
-            </a:r>
+              <a:t>Emperor Palpatine</a:t>
+            </a:r>
+          </a:p>
+          <a:p>
+            <a:pPr lvl="2"/>
+            <a:r>
+              <a:rPr lang="en-US" dirty="0"/>
+              <a:t>General Grievous</a:t>
+            </a:r>
+          </a:p>
+          <a:p>
             <a:endParaRPr lang="en-US" dirty="0"/>
           </a:p>
+        </p:txBody>
+      </p:sp>
+      <p:sp>
+        <p:nvSpPr>
+          <p:cNvPr id="5" name="Rectangle 4">
+            <a:extLst>
+              <a:ext uri="{FF2B5EF4-FFF2-40B4-BE49-F238E27FC236}">
+                <a16:creationId xmlns:a16="http://schemas.microsoft.com/office/drawing/2014/main" id="{4DBD8EA5-6A38-3943-B7D6-2DCFB57A277D}"/>
+              </a:ext>
+            </a:extLst>
+          </p:cNvPr>
+          <p:cNvSpPr/>
+          <p:nvPr/>
+        </p:nvSpPr>
+        <p:spPr>
+          <a:xfrm>
+            <a:off x="6467856" y="4919472"/>
+            <a:ext cx="6096000" cy="1477328"/>
+          </a:xfrm>
+          <a:prstGeom prst="rect">
+            <a:avLst/>
+          </a:prstGeom>
+        </p:spPr>
+        <p:txBody>
+          <a:bodyPr>
+            <a:spAutoFit/>
+          </a:bodyPr>
+          <a:lstStyle/>
+          <a:p>
+            <a:pPr lvl="1"/>
+            <a:r>
+              <a:rPr lang="en-US" dirty="0"/>
+              <a:t>Star Wars?</a:t>
+            </a:r>
+          </a:p>
           <a:p>
             <a:pPr lvl="2"/>
             <a:r>
               <a:rPr lang="en-US" dirty="0"/>
-              <a:t>General Grievous</a:t>
+              <a:t>A</a:t>
             </a:r>
           </a:p>
           <a:p>
             <a:pPr lvl="2"/>
-            <a:endParaRPr lang="en-US" dirty="0"/>
-          </a:p>
-          <a:p>
-            <a:pPr lvl="1"/>
-            <a:endParaRPr lang="en-US" dirty="0"/>
+            <a:r>
+              <a:rPr lang="en-US" dirty="0"/>
+              <a:t>B</a:t>
+            </a:r>
+          </a:p>
+          <a:p>
+            <a:pPr lvl="2"/>
+            <a:r>
+              <a:rPr lang="en-US" dirty="0"/>
+              <a:t>C</a:t>
+            </a:r>
+          </a:p>
+          <a:p>
+            <a:pPr lvl="2"/>
+            <a:r>
+              <a:rPr lang="en-US" dirty="0"/>
+              <a:t>D</a:t>
+            </a:r>
+          </a:p>
+        </p:txBody>
+      </p:sp>
+      <p:sp>
+        <p:nvSpPr>
+          <p:cNvPr id="6" name="TextBox 5">
+            <a:extLst>
+              <a:ext uri="{FF2B5EF4-FFF2-40B4-BE49-F238E27FC236}">
+                <a16:creationId xmlns:a16="http://schemas.microsoft.com/office/drawing/2014/main" id="{801947E2-5323-9B4A-B7B0-F456BD8DDE80}"/>
+              </a:ext>
+            </a:extLst>
+          </p:cNvPr>
+          <p:cNvSpPr txBox="1"/>
+          <p:nvPr/>
+        </p:nvSpPr>
+        <p:spPr>
+          <a:xfrm>
+            <a:off x="5647944" y="5403787"/>
+            <a:ext cx="448056" cy="369332"/>
+          </a:xfrm>
+          <a:prstGeom prst="rect">
+            <a:avLst/>
+          </a:prstGeom>
+          <a:noFill/>
+        </p:spPr>
+        <p:txBody>
+          <a:bodyPr wrap="square" rtlCol="0">
+            <a:spAutoFit/>
+          </a:bodyPr>
+          <a:lstStyle/>
+          <a:p>
+            <a:r>
+              <a:rPr lang="en-US" i="1" dirty="0"/>
+              <a:t>of:</a:t>
+            </a:r>
           </a:p>
         </p:txBody>
       </p:sp>
@@ -3530,6 +4724,404 @@
     <p:extLst>
       <p:ext uri="{BB962C8B-B14F-4D97-AF65-F5344CB8AC3E}">
         <p14:creationId xmlns:p14="http://schemas.microsoft.com/office/powerpoint/2010/main" val="1308445774"/>
+      </p:ext>
+    </p:extLst>
+  </p:cSld>
+  <p:clrMapOvr>
+    <a:masterClrMapping/>
+  </p:clrMapOvr>
+</p:sld>
+</file>
+
+<file path=ppt/slides/slide5.xml><?xml version="1.0" encoding="utf-8"?>
+<p:sld xmlns:a="http://schemas.openxmlformats.org/drawingml/2006/main" xmlns:r="http://schemas.openxmlformats.org/officeDocument/2006/relationships" xmlns:p="http://schemas.openxmlformats.org/presentationml/2006/main">
+  <p:cSld>
+    <p:spTree>
+      <p:nvGrpSpPr>
+        <p:cNvPr id="1" name=""/>
+        <p:cNvGrpSpPr/>
+        <p:nvPr/>
+      </p:nvGrpSpPr>
+      <p:grpSpPr>
+        <a:xfrm>
+          <a:off x="0" y="0"/>
+          <a:ext cx="0" cy="0"/>
+          <a:chOff x="0" y="0"/>
+          <a:chExt cx="0" cy="0"/>
+        </a:xfrm>
+      </p:grpSpPr>
+      <p:sp>
+        <p:nvSpPr>
+          <p:cNvPr id="2" name="Title 1">
+            <a:extLst>
+              <a:ext uri="{FF2B5EF4-FFF2-40B4-BE49-F238E27FC236}">
+                <a16:creationId xmlns:a16="http://schemas.microsoft.com/office/drawing/2014/main" id="{96EDFD37-3905-7940-A0A5-74841E61E7BB}"/>
+              </a:ext>
+            </a:extLst>
+          </p:cNvPr>
+          <p:cNvSpPr>
+            <a:spLocks noGrp="1"/>
+          </p:cNvSpPr>
+          <p:nvPr>
+            <p:ph type="title"/>
+          </p:nvPr>
+        </p:nvSpPr>
+        <p:spPr/>
+        <p:txBody>
+          <a:bodyPr/>
+          <a:lstStyle/>
+          <a:p>
+            <a:r>
+              <a:rPr lang="en-US" dirty="0"/>
+              <a:t>main.e2e.js</a:t>
+            </a:r>
+          </a:p>
+        </p:txBody>
+      </p:sp>
+      <p:sp>
+        <p:nvSpPr>
+          <p:cNvPr id="3" name="Content Placeholder 2">
+            <a:extLst>
+              <a:ext uri="{FF2B5EF4-FFF2-40B4-BE49-F238E27FC236}">
+                <a16:creationId xmlns:a16="http://schemas.microsoft.com/office/drawing/2014/main" id="{13018E0D-3805-0C43-93EC-6E906F76690D}"/>
+              </a:ext>
+            </a:extLst>
+          </p:cNvPr>
+          <p:cNvSpPr>
+            <a:spLocks noGrp="1"/>
+          </p:cNvSpPr>
+          <p:nvPr>
+            <p:ph idx="1"/>
+          </p:nvPr>
+        </p:nvSpPr>
+        <p:spPr/>
+        <p:txBody>
+          <a:bodyPr>
+            <a:normAutofit fontScale="92500" lnSpcReduction="10000"/>
+          </a:bodyPr>
+          <a:lstStyle/>
+          <a:p>
+            <a:r>
+              <a:rPr lang="en-US" dirty="0"/>
+              <a:t>‘</a:t>
+            </a:r>
+            <a:r>
+              <a:rPr lang="en-US" dirty="0" err="1"/>
+              <a:t>npm</a:t>
+            </a:r>
+            <a:r>
+              <a:rPr lang="en-US" dirty="0"/>
+              <a:t> run e2e’ </a:t>
+            </a:r>
+            <a:r>
+              <a:rPr lang="en-US" dirty="0" err="1"/>
+              <a:t>voert</a:t>
+            </a:r>
+            <a:r>
+              <a:rPr lang="en-US" dirty="0"/>
+              <a:t> </a:t>
+            </a:r>
+            <a:r>
+              <a:rPr lang="en-US" dirty="0" err="1"/>
+              <a:t>alle</a:t>
+            </a:r>
+            <a:r>
+              <a:rPr lang="en-US" dirty="0"/>
+              <a:t> files met naam die </a:t>
+            </a:r>
+            <a:r>
+              <a:rPr lang="en-US" dirty="0" err="1"/>
+              <a:t>eindigt</a:t>
+            </a:r>
+            <a:r>
+              <a:rPr lang="en-US" dirty="0"/>
+              <a:t> op ‘.e2e.js’.</a:t>
+            </a:r>
+          </a:p>
+          <a:p>
+            <a:r>
+              <a:rPr lang="en-US" dirty="0" err="1"/>
+              <a:t>dit</a:t>
+            </a:r>
+            <a:r>
+              <a:rPr lang="en-US" dirty="0"/>
+              <a:t> script </a:t>
+            </a:r>
+            <a:r>
+              <a:rPr lang="en-US" dirty="0" err="1"/>
+              <a:t>demonsteert</a:t>
+            </a:r>
+            <a:r>
+              <a:rPr lang="en-US" dirty="0"/>
+              <a:t>:</a:t>
+            </a:r>
+          </a:p>
+          <a:p>
+            <a:pPr lvl="1"/>
+            <a:r>
+              <a:rPr lang="en-US" dirty="0" err="1"/>
+              <a:t>meerdere</a:t>
+            </a:r>
+            <a:r>
+              <a:rPr lang="en-US" dirty="0"/>
+              <a:t> browsers </a:t>
+            </a:r>
+            <a:r>
+              <a:rPr lang="en-US" dirty="0" err="1"/>
+              <a:t>starten</a:t>
+            </a:r>
+            <a:endParaRPr lang="en-US" dirty="0"/>
+          </a:p>
+          <a:p>
+            <a:pPr lvl="1"/>
+            <a:r>
+              <a:rPr lang="en-US" dirty="0"/>
+              <a:t>headless: false, </a:t>
+            </a:r>
+            <a:r>
+              <a:rPr lang="en-US" dirty="0" err="1"/>
+              <a:t>sloMo</a:t>
+            </a:r>
+            <a:r>
+              <a:rPr lang="en-US" dirty="0"/>
+              <a:t>: 200</a:t>
+            </a:r>
+          </a:p>
+          <a:p>
+            <a:pPr lvl="1"/>
+            <a:r>
+              <a:rPr lang="en-US" dirty="0" err="1"/>
+              <a:t>navigeren</a:t>
+            </a:r>
+            <a:r>
+              <a:rPr lang="en-US" dirty="0"/>
+              <a:t>, clicks </a:t>
+            </a:r>
+            <a:r>
+              <a:rPr lang="en-US" dirty="0" err="1"/>
+              <a:t>en</a:t>
+            </a:r>
+            <a:r>
+              <a:rPr lang="en-US" dirty="0"/>
+              <a:t> </a:t>
+            </a:r>
+            <a:r>
+              <a:rPr lang="en-US" dirty="0" err="1"/>
+              <a:t>textinput</a:t>
+            </a:r>
+            <a:r>
+              <a:rPr lang="en-US" dirty="0"/>
+              <a:t> met Puppeteer</a:t>
+            </a:r>
+          </a:p>
+          <a:p>
+            <a:pPr lvl="1"/>
+            <a:r>
+              <a:rPr lang="en-US" dirty="0"/>
+              <a:t>data van </a:t>
+            </a:r>
+            <a:r>
+              <a:rPr lang="en-US" dirty="0" err="1"/>
+              <a:t>pagina</a:t>
+            </a:r>
+            <a:r>
+              <a:rPr lang="en-US" dirty="0"/>
+              <a:t> </a:t>
+            </a:r>
+            <a:r>
+              <a:rPr lang="en-US" dirty="0" err="1"/>
+              <a:t>ophalen</a:t>
+            </a:r>
+            <a:r>
+              <a:rPr lang="en-US" dirty="0"/>
+              <a:t> </a:t>
+            </a:r>
+          </a:p>
+          <a:p>
+            <a:pPr lvl="1"/>
+            <a:r>
+              <a:rPr lang="en-US" dirty="0" err="1"/>
+              <a:t>elementen</a:t>
+            </a:r>
+            <a:r>
+              <a:rPr lang="en-US" dirty="0"/>
+              <a:t> </a:t>
+            </a:r>
+            <a:r>
+              <a:rPr lang="en-US" dirty="0" err="1"/>
+              <a:t>zoeken</a:t>
+            </a:r>
+            <a:r>
+              <a:rPr lang="en-US" dirty="0"/>
+              <a:t> </a:t>
+            </a:r>
+          </a:p>
+          <a:p>
+            <a:pPr lvl="1"/>
+            <a:r>
+              <a:rPr lang="en-US" dirty="0"/>
+              <a:t>JS </a:t>
+            </a:r>
+            <a:r>
+              <a:rPr lang="en-US" dirty="0" err="1"/>
+              <a:t>evalueren</a:t>
+            </a:r>
+            <a:r>
+              <a:rPr lang="en-US" dirty="0"/>
+              <a:t> in browser-context</a:t>
+            </a:r>
+          </a:p>
+          <a:p>
+            <a:pPr lvl="1"/>
+            <a:r>
+              <a:rPr lang="en-US" dirty="0" err="1"/>
+              <a:t>JSHandle</a:t>
+            </a:r>
+            <a:r>
+              <a:rPr lang="en-US" dirty="0"/>
+              <a:t>/</a:t>
+            </a:r>
+            <a:r>
+              <a:rPr lang="en-US" dirty="0" err="1"/>
+              <a:t>ElementHandle</a:t>
+            </a:r>
+            <a:endParaRPr lang="en-US" dirty="0"/>
+          </a:p>
+          <a:p>
+            <a:pPr lvl="1"/>
+            <a:r>
+              <a:rPr lang="en-US" dirty="0"/>
+              <a:t>Data </a:t>
+            </a:r>
+            <a:r>
+              <a:rPr lang="en-US" dirty="0" err="1"/>
+              <a:t>uit</a:t>
+            </a:r>
+            <a:r>
+              <a:rPr lang="en-US" dirty="0"/>
+              <a:t> </a:t>
+            </a:r>
+            <a:r>
+              <a:rPr lang="en-US" dirty="0" err="1"/>
+              <a:t>ene</a:t>
+            </a:r>
+            <a:r>
+              <a:rPr lang="en-US" dirty="0"/>
+              <a:t> browser </a:t>
+            </a:r>
+            <a:r>
+              <a:rPr lang="en-US" dirty="0" err="1"/>
+              <a:t>lezen</a:t>
+            </a:r>
+            <a:r>
+              <a:rPr lang="en-US" dirty="0"/>
+              <a:t>, </a:t>
+            </a:r>
+            <a:r>
+              <a:rPr lang="en-US" dirty="0" err="1"/>
+              <a:t>en</a:t>
+            </a:r>
+            <a:r>
+              <a:rPr lang="en-US" dirty="0"/>
+              <a:t> </a:t>
+            </a:r>
+            <a:r>
+              <a:rPr lang="en-US" dirty="0" err="1"/>
+              <a:t>gebruiken</a:t>
+            </a:r>
+            <a:r>
+              <a:rPr lang="en-US" dirty="0"/>
+              <a:t> in test </a:t>
+            </a:r>
+            <a:r>
+              <a:rPr lang="en-US" dirty="0" err="1"/>
+              <a:t>voor</a:t>
+            </a:r>
+            <a:r>
+              <a:rPr lang="en-US" dirty="0"/>
+              <a:t> </a:t>
+            </a:r>
+            <a:r>
+              <a:rPr lang="en-US" dirty="0" err="1"/>
+              <a:t>andere</a:t>
+            </a:r>
+            <a:r>
+              <a:rPr lang="en-US" dirty="0"/>
+              <a:t> browser</a:t>
+            </a:r>
+          </a:p>
+          <a:p>
+            <a:pPr lvl="1"/>
+            <a:r>
+              <a:rPr lang="en-US" dirty="0"/>
+              <a:t>tests </a:t>
+            </a:r>
+            <a:r>
+              <a:rPr lang="en-US" dirty="0" err="1"/>
+              <a:t>zonder</a:t>
+            </a:r>
+            <a:r>
+              <a:rPr lang="en-US" dirty="0"/>
+              <a:t> expect-statements</a:t>
+            </a:r>
+          </a:p>
+          <a:p>
+            <a:pPr lvl="1"/>
+            <a:r>
+              <a:rPr lang="en-US" dirty="0" err="1"/>
+              <a:t>actie</a:t>
+            </a:r>
+            <a:r>
+              <a:rPr lang="en-US" dirty="0"/>
+              <a:t> in </a:t>
+            </a:r>
+            <a:r>
+              <a:rPr lang="en-US" dirty="0" err="1"/>
+              <a:t>ene</a:t>
+            </a:r>
+            <a:r>
+              <a:rPr lang="en-US" dirty="0"/>
+              <a:t> browser </a:t>
+            </a:r>
+            <a:r>
+              <a:rPr lang="en-US" dirty="0" err="1"/>
+              <a:t>uitvoeren</a:t>
+            </a:r>
+            <a:r>
+              <a:rPr lang="en-US" dirty="0"/>
+              <a:t>, </a:t>
+            </a:r>
+            <a:r>
+              <a:rPr lang="en-US" dirty="0" err="1"/>
+              <a:t>en</a:t>
+            </a:r>
+            <a:r>
+              <a:rPr lang="en-US" dirty="0"/>
+              <a:t> effect </a:t>
+            </a:r>
+            <a:r>
+              <a:rPr lang="en-US" dirty="0" err="1"/>
+              <a:t>checken</a:t>
+            </a:r>
+            <a:r>
+              <a:rPr lang="en-US" dirty="0"/>
+              <a:t> in </a:t>
+            </a:r>
+            <a:r>
+              <a:rPr lang="en-US" dirty="0" err="1"/>
+              <a:t>andere</a:t>
+            </a:r>
+            <a:r>
+              <a:rPr lang="en-US" dirty="0"/>
+              <a:t> browser</a:t>
+            </a:r>
+          </a:p>
+        </p:txBody>
+      </p:sp>
+    </p:spTree>
+    <p:extLst>
+      <p:ext uri="{BB962C8B-B14F-4D97-AF65-F5344CB8AC3E}">
+        <p14:creationId xmlns:p14="http://schemas.microsoft.com/office/powerpoint/2010/main" val="3741221221"/>
       </p:ext>
     </p:extLst>
   </p:cSld>
